--- a/Slides/20486Core_12.pptx
+++ b/Slides/20486Core_12.pptx
@@ -63,16 +63,16 @@
       <p:italic r:id="rId40"/>
     </p:embeddedFont>
     <p:embeddedFont>
-      <p:font typeface="Segoe Light" panose="020B0604020202020204" charset="0"/>
+      <p:font typeface="Segoe UI" panose="020B0502040204020203" pitchFamily="34" charset="0"/>
       <p:regular r:id="rId41"/>
-      <p:italic r:id="rId42"/>
+      <p:bold r:id="rId42"/>
+      <p:italic r:id="rId43"/>
+      <p:boldItalic r:id="rId44"/>
     </p:embeddedFont>
     <p:embeddedFont>
-      <p:font typeface="Segoe UI" panose="020B0502040204020203" pitchFamily="34" charset="0"/>
-      <p:regular r:id="rId43"/>
-      <p:bold r:id="rId44"/>
-      <p:italic r:id="rId45"/>
-      <p:boldItalic r:id="rId46"/>
+      <p:font typeface="Segoe Light" panose="020B0604020202020204" charset="0"/>
+      <p:regular r:id="rId45"/>
+      <p:italic r:id="rId46"/>
     </p:embeddedFont>
   </p:embeddedFontLst>
   <p:custDataLst>
@@ -289,7 +289,7 @@
             <a:fld id="{0DB20FB6-FD27-45A8-A6BC-A1E9517D7014}" type="datetimeFigureOut">
               <a:rPr lang="en-US" smtClean="0"/>
               <a:pPr/>
-              <a:t>12/12/2016</a:t>
+              <a:t>12/20/2016</a:t>
             </a:fld>
             <a:endParaRPr lang="en-US"/>
           </a:p>
@@ -584,8 +584,8 @@
         </p:nvSpPr>
         <p:spPr>
           <a:xfrm>
-            <a:off x="4325111" y="73151"/>
-            <a:ext cx="2468880" cy="1851660"/>
+            <a:off x="4325938" y="73025"/>
+            <a:ext cx="2466975" cy="1851025"/>
           </a:xfrm>
         </p:spPr>
       </p:sp>
@@ -13146,24 +13146,20 @@
             <a:spLocks noGrp="1"/>
           </p:cNvSpPr>
           <p:nvPr>
-            <p:ph type="ctrTitle" sz="quarter"/>
+            <p:ph type="title"/>
           </p:nvPr>
         </p:nvSpPr>
-        <p:spPr>
-          <a:xfrm>
-            <a:off x="3106782" y="3169492"/>
-            <a:ext cx="5732417" cy="340093"/>
-          </a:xfrm>
-        </p:spPr>
+        <p:spPr/>
         <p:txBody>
           <a:bodyPr/>
           <a:lstStyle/>
           <a:p>
-            <a:r>
-              <a:rPr lang="en-US" sz="2600" smtClean="0"/>
+            <a:pPr algn="ctr"/>
+            <a:r>
+              <a:rPr lang="en-US" sz="2600" dirty="0" smtClean="0"/>
               <a:t>Module12</a:t>
             </a:r>
-            <a:endParaRPr lang="en-US" sz="2600"/>
+            <a:endParaRPr lang="en-US" sz="2600" dirty="0"/>
           </a:p>
         </p:txBody>
       </p:sp>
@@ -13174,20 +13170,49 @@
             <a:spLocks noGrp="1"/>
           </p:cNvSpPr>
           <p:nvPr>
-            <p:ph type="subTitle" sz="quarter" idx="1"/>
+            <p:ph idx="1"/>
           </p:nvPr>
         </p:nvSpPr>
         <p:spPr/>
         <p:txBody>
-          <a:bodyPr/>
+          <a:bodyPr anchor="ctr"/>
           <a:lstStyle/>
           <a:p>
-            <a:r>
-              <a:rPr lang="en-US" smtClean="0"/>
-              <a:t>Building a Resilient ASP.NET MVC 4 Web Application
-</a:t>
-            </a:r>
-            <a:endParaRPr lang="en-US"/>
+            <a:pPr marL="0" indent="0" algn="ctr">
+              <a:buNone/>
+            </a:pPr>
+            <a:r>
+              <a:rPr lang="en-US" sz="4400" dirty="0" smtClean="0"/>
+              <a:t>Building a Resilient </a:t>
+            </a:r>
+            <a:endParaRPr lang="en-US" sz="4400" dirty="0" smtClean="0"/>
+          </a:p>
+          <a:p>
+            <a:pPr marL="0" indent="0" algn="ctr">
+              <a:buNone/>
+            </a:pPr>
+            <a:r>
+              <a:rPr lang="en-US" sz="4400" dirty="0" smtClean="0"/>
+              <a:t>ASP.NET </a:t>
+            </a:r>
+            <a:r>
+              <a:rPr lang="en-US" sz="4400" dirty="0" smtClean="0"/>
+              <a:t>MVC </a:t>
+            </a:r>
+            <a:r>
+              <a:rPr lang="en-US" sz="4400" dirty="0" smtClean="0"/>
+              <a:t>Core </a:t>
+            </a:r>
+          </a:p>
+          <a:p>
+            <a:pPr marL="0" indent="0" algn="ctr">
+              <a:buNone/>
+            </a:pPr>
+            <a:r>
+              <a:rPr lang="en-US" sz="4400" dirty="0" smtClean="0"/>
+              <a:t>Web Application</a:t>
+            </a:r>
+            <a:endParaRPr lang="en-US" sz="4400" dirty="0"/>
           </a:p>
         </p:txBody>
       </p:sp>
@@ -17095,10 +17120,18 @@
           <a:lstStyle/>
           <a:p>
             <a:r>
-              <a:rPr lang="en-US" smtClean="0"/>
-              <a:t>Lab: Building a Resilient ASP.NET MVC 4 Web Application</a:t>
-            </a:r>
-            <a:endParaRPr lang="en-US"/>
+              <a:rPr lang="en-US" dirty="0" smtClean="0"/>
+              <a:t>Lab: Building a Resilient ASP.NET MVC </a:t>
+            </a:r>
+            <a:r>
+              <a:rPr lang="en-US" dirty="0" smtClean="0"/>
+              <a:t>Core </a:t>
+            </a:r>
+            <a:r>
+              <a:rPr lang="en-US" dirty="0" smtClean="0"/>
+              <a:t>Web Application</a:t>
+            </a:r>
+            <a:endParaRPr lang="en-US" dirty="0"/>
           </a:p>
         </p:txBody>
       </p:sp>
